--- a/Powerpoint/Module11-HtmlReports.pptx
+++ b/Powerpoint/Module11-HtmlReports.pptx
@@ -111,6 +111,22 @@
       </a:defRPr>
     </a:lvl9pPr>
   </p:defaultTextStyle>
+  <p:extLst>
+    <p:ext uri="{EFAFB233-063F-42B5-8137-9DF3F51BA10A}">
+      <p15:sldGuideLst xmlns:p15="http://schemas.microsoft.com/office/powerpoint/2012/main">
+        <p15:guide id="1" orient="horz" pos="2160">
+          <p15:clr>
+            <a:srgbClr val="A4A3A4"/>
+          </p15:clr>
+        </p15:guide>
+        <p15:guide id="2" pos="2880">
+          <p15:clr>
+            <a:srgbClr val="A4A3A4"/>
+          </p15:clr>
+        </p15:guide>
+      </p15:sldGuideLst>
+    </p:ext>
+  </p:extLst>
 </p:presentation>
 </file>
 
@@ -158,7 +174,7 @@
           </a:lstStyle>
           <a:p>
             <a:r>
-              <a:rPr lang="en-US" smtClean="0"/>
+              <a:rPr lang="en-US"/>
               <a:t>Click to edit Master title style</a:t>
             </a:r>
             <a:endParaRPr lang="en-US" dirty="0"/>
@@ -278,7 +294,7 @@
           </a:lstStyle>
           <a:p>
             <a:r>
-              <a:rPr lang="en-US" smtClean="0"/>
+              <a:rPr lang="en-US"/>
               <a:t>Click to edit Master subtitle style</a:t>
             </a:r>
             <a:endParaRPr lang="en-US" dirty="0"/>
@@ -391,10 +407,9 @@
           <a:lstStyle/>
           <a:p>
             <a:r>
-              <a:rPr lang="en-US" smtClean="0"/>
+              <a:rPr lang="en-US"/>
               <a:t>Click to edit Master title style</a:t>
             </a:r>
-            <a:endParaRPr lang="en-US"/>
           </a:p>
         </p:txBody>
       </p:sp>
@@ -415,38 +430,37 @@
           <a:p>
             <a:pPr lvl="0"/>
             <a:r>
-              <a:rPr lang="en-US" smtClean="0"/>
+              <a:rPr lang="en-US"/>
               <a:t>Click to edit Master text styles</a:t>
             </a:r>
           </a:p>
           <a:p>
             <a:pPr lvl="1"/>
             <a:r>
-              <a:rPr lang="en-US" smtClean="0"/>
+              <a:rPr lang="en-US"/>
               <a:t>Second level</a:t>
             </a:r>
           </a:p>
           <a:p>
             <a:pPr lvl="2"/>
             <a:r>
-              <a:rPr lang="en-US" smtClean="0"/>
+              <a:rPr lang="en-US"/>
               <a:t>Third level</a:t>
             </a:r>
           </a:p>
           <a:p>
             <a:pPr lvl="3"/>
             <a:r>
-              <a:rPr lang="en-US" smtClean="0"/>
+              <a:rPr lang="en-US"/>
               <a:t>Fourth level</a:t>
             </a:r>
           </a:p>
           <a:p>
             <a:pPr lvl="4"/>
             <a:r>
-              <a:rPr lang="en-US" smtClean="0"/>
+              <a:rPr lang="en-US"/>
               <a:t>Fifth level</a:t>
             </a:r>
-            <a:endParaRPr lang="en-US"/>
           </a:p>
         </p:txBody>
       </p:sp>
@@ -484,10 +498,9 @@
           </a:lstStyle>
           <a:p>
             <a:r>
-              <a:rPr lang="en-US" dirty="0" smtClean="0"/>
+              <a:rPr lang="en-US" dirty="0"/>
               <a:t>©Concentrated Technology</a:t>
             </a:r>
-            <a:endParaRPr lang="en-US" dirty="0"/>
           </a:p>
         </p:txBody>
       </p:sp>
@@ -548,7 +561,7 @@
           </a:lstStyle>
           <a:p>
             <a:r>
-              <a:rPr lang="en-US" smtClean="0"/>
+              <a:rPr lang="en-US"/>
               <a:t>Click to edit Master title style</a:t>
             </a:r>
             <a:endParaRPr lang="en-US" dirty="0"/>
@@ -668,7 +681,7 @@
           <a:p>
             <a:pPr lvl="0"/>
             <a:r>
-              <a:rPr lang="en-US" smtClean="0"/>
+              <a:rPr lang="en-US"/>
               <a:t>Click to edit Master text styles</a:t>
             </a:r>
           </a:p>
@@ -743,10 +756,9 @@
           </a:lstStyle>
           <a:p>
             <a:r>
-              <a:rPr lang="en-US" dirty="0" smtClean="0"/>
+              <a:rPr lang="en-US" dirty="0"/>
               <a:t>©Concentrated Technology</a:t>
             </a:r>
-            <a:endParaRPr lang="en-US" dirty="0"/>
           </a:p>
         </p:txBody>
       </p:sp>
@@ -791,10 +803,9 @@
           <a:lstStyle/>
           <a:p>
             <a:r>
-              <a:rPr lang="en-US" smtClean="0"/>
+              <a:rPr lang="en-US"/>
               <a:t>Click to edit Master title style</a:t>
             </a:r>
-            <a:endParaRPr lang="en-US"/>
           </a:p>
         </p:txBody>
       </p:sp>
@@ -848,35 +859,35 @@
           <a:p>
             <a:pPr lvl="0"/>
             <a:r>
-              <a:rPr lang="en-US" smtClean="0"/>
+              <a:rPr lang="en-US"/>
               <a:t>Click to edit Master text styles</a:t>
             </a:r>
           </a:p>
           <a:p>
             <a:pPr lvl="1"/>
             <a:r>
-              <a:rPr lang="en-US" smtClean="0"/>
+              <a:rPr lang="en-US"/>
               <a:t>Second level</a:t>
             </a:r>
           </a:p>
           <a:p>
             <a:pPr lvl="2"/>
             <a:r>
-              <a:rPr lang="en-US" smtClean="0"/>
+              <a:rPr lang="en-US"/>
               <a:t>Third level</a:t>
             </a:r>
           </a:p>
           <a:p>
             <a:pPr lvl="3"/>
             <a:r>
-              <a:rPr lang="en-US" smtClean="0"/>
+              <a:rPr lang="en-US"/>
               <a:t>Fourth level</a:t>
             </a:r>
           </a:p>
           <a:p>
             <a:pPr lvl="4"/>
             <a:r>
-              <a:rPr lang="en-US" smtClean="0"/>
+              <a:rPr lang="en-US"/>
               <a:t>Fifth level</a:t>
             </a:r>
             <a:endParaRPr lang="en-US" dirty="0"/>
@@ -933,35 +944,35 @@
           <a:p>
             <a:pPr lvl="0"/>
             <a:r>
-              <a:rPr lang="en-US" smtClean="0"/>
+              <a:rPr lang="en-US"/>
               <a:t>Click to edit Master text styles</a:t>
             </a:r>
           </a:p>
           <a:p>
             <a:pPr lvl="1"/>
             <a:r>
-              <a:rPr lang="en-US" smtClean="0"/>
+              <a:rPr lang="en-US"/>
               <a:t>Second level</a:t>
             </a:r>
           </a:p>
           <a:p>
             <a:pPr lvl="2"/>
             <a:r>
-              <a:rPr lang="en-US" smtClean="0"/>
+              <a:rPr lang="en-US"/>
               <a:t>Third level</a:t>
             </a:r>
           </a:p>
           <a:p>
             <a:pPr lvl="3"/>
             <a:r>
-              <a:rPr lang="en-US" smtClean="0"/>
+              <a:rPr lang="en-US"/>
               <a:t>Fourth level</a:t>
             </a:r>
           </a:p>
           <a:p>
             <a:pPr lvl="4"/>
             <a:r>
-              <a:rPr lang="en-US" smtClean="0"/>
+              <a:rPr lang="en-US"/>
               <a:t>Fifth level</a:t>
             </a:r>
             <a:endParaRPr lang="en-US" dirty="0"/>
@@ -1002,10 +1013,9 @@
           </a:lstStyle>
           <a:p>
             <a:r>
-              <a:rPr lang="en-US" dirty="0" smtClean="0"/>
+              <a:rPr lang="en-US" dirty="0"/>
               <a:t>©Concentrated Technology</a:t>
             </a:r>
-            <a:endParaRPr lang="en-US" dirty="0"/>
           </a:p>
         </p:txBody>
       </p:sp>
@@ -1054,7 +1064,7 @@
           </a:lstStyle>
           <a:p>
             <a:r>
-              <a:rPr lang="en-US" smtClean="0"/>
+              <a:rPr lang="en-US"/>
               <a:t>Click to edit Master title style</a:t>
             </a:r>
             <a:endParaRPr lang="en-US" dirty="0"/>
@@ -1143,7 +1153,7 @@
           <a:p>
             <a:pPr lvl="0"/>
             <a:r>
-              <a:rPr lang="en-US" smtClean="0"/>
+              <a:rPr lang="en-US"/>
               <a:t>Click to edit Master text styles</a:t>
             </a:r>
           </a:p>
@@ -1199,35 +1209,35 @@
           <a:p>
             <a:pPr lvl="0"/>
             <a:r>
-              <a:rPr lang="en-US" smtClean="0"/>
+              <a:rPr lang="en-US"/>
               <a:t>Click to edit Master text styles</a:t>
             </a:r>
           </a:p>
           <a:p>
             <a:pPr lvl="1"/>
             <a:r>
-              <a:rPr lang="en-US" smtClean="0"/>
+              <a:rPr lang="en-US"/>
               <a:t>Second level</a:t>
             </a:r>
           </a:p>
           <a:p>
             <a:pPr lvl="2"/>
             <a:r>
-              <a:rPr lang="en-US" smtClean="0"/>
+              <a:rPr lang="en-US"/>
               <a:t>Third level</a:t>
             </a:r>
           </a:p>
           <a:p>
             <a:pPr lvl="3"/>
             <a:r>
-              <a:rPr lang="en-US" smtClean="0"/>
+              <a:rPr lang="en-US"/>
               <a:t>Fourth level</a:t>
             </a:r>
           </a:p>
           <a:p>
             <a:pPr lvl="4"/>
             <a:r>
-              <a:rPr lang="en-US" smtClean="0"/>
+              <a:rPr lang="en-US"/>
               <a:t>Fifth level</a:t>
             </a:r>
             <a:endParaRPr lang="en-US" dirty="0"/>
@@ -1319,7 +1329,7 @@
           <a:p>
             <a:pPr lvl="0"/>
             <a:r>
-              <a:rPr lang="en-US" smtClean="0"/>
+              <a:rPr lang="en-US"/>
               <a:t>Click to edit Master text styles</a:t>
             </a:r>
           </a:p>
@@ -1375,35 +1385,35 @@
           <a:p>
             <a:pPr lvl="0"/>
             <a:r>
-              <a:rPr lang="en-US" smtClean="0"/>
+              <a:rPr lang="en-US"/>
               <a:t>Click to edit Master text styles</a:t>
             </a:r>
           </a:p>
           <a:p>
             <a:pPr lvl="1"/>
             <a:r>
-              <a:rPr lang="en-US" smtClean="0"/>
+              <a:rPr lang="en-US"/>
               <a:t>Second level</a:t>
             </a:r>
           </a:p>
           <a:p>
             <a:pPr lvl="2"/>
             <a:r>
-              <a:rPr lang="en-US" smtClean="0"/>
+              <a:rPr lang="en-US"/>
               <a:t>Third level</a:t>
             </a:r>
           </a:p>
           <a:p>
             <a:pPr lvl="3"/>
             <a:r>
-              <a:rPr lang="en-US" smtClean="0"/>
+              <a:rPr lang="en-US"/>
               <a:t>Fourth level</a:t>
             </a:r>
           </a:p>
           <a:p>
             <a:pPr lvl="4"/>
             <a:r>
-              <a:rPr lang="en-US" smtClean="0"/>
+              <a:rPr lang="en-US"/>
               <a:t>Fifth level</a:t>
             </a:r>
             <a:endParaRPr lang="en-US" dirty="0"/>
@@ -1479,10 +1489,9 @@
           </a:lstStyle>
           <a:p>
             <a:r>
-              <a:rPr lang="en-US" dirty="0" smtClean="0"/>
+              <a:rPr lang="en-US" dirty="0"/>
               <a:t>©Concentrated Technology</a:t>
             </a:r>
-            <a:endParaRPr lang="en-US" dirty="0"/>
           </a:p>
         </p:txBody>
       </p:sp>
@@ -1527,10 +1536,9 @@
           <a:lstStyle/>
           <a:p>
             <a:r>
-              <a:rPr lang="en-US" smtClean="0"/>
+              <a:rPr lang="en-US"/>
               <a:t>Click to edit Master title style</a:t>
             </a:r>
-            <a:endParaRPr lang="en-US"/>
           </a:p>
         </p:txBody>
       </p:sp>
@@ -1568,10 +1576,9 @@
           </a:lstStyle>
           <a:p>
             <a:r>
-              <a:rPr lang="en-US" dirty="0" smtClean="0"/>
+              <a:rPr lang="en-US" dirty="0"/>
               <a:t>©Concentrated Technology</a:t>
             </a:r>
-            <a:endParaRPr lang="en-US" dirty="0"/>
           </a:p>
         </p:txBody>
       </p:sp>
@@ -1652,7 +1659,7 @@
           </a:lstStyle>
           <a:p>
             <a:r>
-              <a:rPr lang="en-US" smtClean="0"/>
+              <a:rPr lang="en-US"/>
               <a:t>Click to edit Master title style</a:t>
             </a:r>
             <a:endParaRPr lang="en-US" dirty="0"/>
@@ -1709,35 +1716,35 @@
           <a:p>
             <a:pPr lvl="0"/>
             <a:r>
-              <a:rPr lang="en-US" smtClean="0"/>
+              <a:rPr lang="en-US"/>
               <a:t>Click to edit Master text styles</a:t>
             </a:r>
           </a:p>
           <a:p>
             <a:pPr lvl="1"/>
             <a:r>
-              <a:rPr lang="en-US" smtClean="0"/>
+              <a:rPr lang="en-US"/>
               <a:t>Second level</a:t>
             </a:r>
           </a:p>
           <a:p>
             <a:pPr lvl="2"/>
             <a:r>
-              <a:rPr lang="en-US" smtClean="0"/>
+              <a:rPr lang="en-US"/>
               <a:t>Third level</a:t>
             </a:r>
           </a:p>
           <a:p>
             <a:pPr lvl="3"/>
             <a:r>
-              <a:rPr lang="en-US" smtClean="0"/>
+              <a:rPr lang="en-US"/>
               <a:t>Fourth level</a:t>
             </a:r>
           </a:p>
           <a:p>
             <a:pPr lvl="4"/>
             <a:r>
-              <a:rPr lang="en-US" smtClean="0"/>
+              <a:rPr lang="en-US"/>
               <a:t>Fifth level</a:t>
             </a:r>
             <a:endParaRPr lang="en-US" dirty="0"/>
@@ -1803,7 +1810,7 @@
           <a:p>
             <a:pPr lvl="0"/>
             <a:r>
-              <a:rPr lang="en-US" smtClean="0"/>
+              <a:rPr lang="en-US"/>
               <a:t>Click to edit Master text styles</a:t>
             </a:r>
           </a:p>
@@ -1878,10 +1885,9 @@
           </a:lstStyle>
           <a:p>
             <a:r>
-              <a:rPr lang="en-US" dirty="0" smtClean="0"/>
+              <a:rPr lang="en-US" dirty="0"/>
               <a:t>©Concentrated Technology</a:t>
             </a:r>
-            <a:endParaRPr lang="en-US" dirty="0"/>
           </a:p>
         </p:txBody>
       </p:sp>
@@ -1937,7 +1943,7 @@
           </a:lstStyle>
           <a:p>
             <a:r>
-              <a:rPr lang="en-US" smtClean="0"/>
+              <a:rPr lang="en-US"/>
               <a:t>Click to edit Master title style</a:t>
             </a:r>
             <a:endParaRPr lang="en-US" dirty="0"/>
@@ -2018,7 +2024,7 @@
           </a:lstStyle>
           <a:p>
             <a:r>
-              <a:rPr lang="en-US" smtClean="0"/>
+              <a:rPr lang="en-US"/>
               <a:t>Drag picture to placeholder or click icon to add</a:t>
             </a:r>
             <a:endParaRPr lang="en-US" dirty="0"/>
@@ -2084,7 +2090,7 @@
           <a:p>
             <a:pPr lvl="0"/>
             <a:r>
-              <a:rPr lang="en-US" smtClean="0"/>
+              <a:rPr lang="en-US"/>
               <a:t>Click to edit Master text styles</a:t>
             </a:r>
           </a:p>
@@ -2124,10 +2130,9 @@
           </a:lstStyle>
           <a:p>
             <a:r>
-              <a:rPr lang="en-US" dirty="0" smtClean="0"/>
+              <a:rPr lang="en-US" dirty="0"/>
               <a:t>©Concentrated Technology</a:t>
             </a:r>
-            <a:endParaRPr lang="en-US" dirty="0"/>
           </a:p>
         </p:txBody>
       </p:sp>
@@ -2233,7 +2238,7 @@
           <a:lstStyle/>
           <a:p>
             <a:r>
-              <a:rPr lang="en-US" smtClean="0"/>
+              <a:rPr lang="en-US"/>
               <a:t>Click to edit Master title style</a:t>
             </a:r>
             <a:endParaRPr lang="en-US" dirty="0"/>
@@ -2267,35 +2272,35 @@
           <a:p>
             <a:pPr lvl="0"/>
             <a:r>
-              <a:rPr lang="en-US" smtClean="0"/>
+              <a:rPr lang="en-US"/>
               <a:t>Click to edit Master text styles</a:t>
             </a:r>
           </a:p>
           <a:p>
             <a:pPr lvl="1"/>
             <a:r>
-              <a:rPr lang="en-US" smtClean="0"/>
+              <a:rPr lang="en-US"/>
               <a:t>Second level</a:t>
             </a:r>
           </a:p>
           <a:p>
             <a:pPr lvl="2"/>
             <a:r>
-              <a:rPr lang="en-US" smtClean="0"/>
+              <a:rPr lang="en-US"/>
               <a:t>Third level</a:t>
             </a:r>
           </a:p>
           <a:p>
             <a:pPr lvl="3"/>
             <a:r>
-              <a:rPr lang="en-US" smtClean="0"/>
+              <a:rPr lang="en-US"/>
               <a:t>Fourth level</a:t>
             </a:r>
           </a:p>
           <a:p>
             <a:pPr lvl="4"/>
             <a:r>
-              <a:rPr lang="en-US" smtClean="0"/>
+              <a:rPr lang="en-US"/>
               <a:t>Fifth level</a:t>
             </a:r>
             <a:endParaRPr lang="en-US" dirty="0"/>
@@ -2382,10 +2387,9 @@
           </a:lstStyle>
           <a:p>
             <a:r>
-              <a:rPr lang="en-US" dirty="0" smtClean="0"/>
+              <a:rPr lang="en-US" dirty="0"/>
               <a:t>©Concentrated Technology</a:t>
             </a:r>
-            <a:endParaRPr lang="en-US" dirty="0"/>
           </a:p>
         </p:txBody>
       </p:sp>
@@ -2725,11 +2729,11 @@
           <a:lstStyle/>
           <a:p>
             <a:r>
-              <a:rPr lang="en-US" dirty="0" smtClean="0"/>
+              <a:rPr lang="en-US" dirty="0"/>
               <a:t>Creating HTML </a:t>
             </a:r>
             <a:r>
-              <a:rPr lang="en-US" dirty="0" err="1" smtClean="0"/>
+              <a:rPr lang="en-US" dirty="0" err="1"/>
               <a:t>REports</a:t>
             </a:r>
             <a:endParaRPr lang="en-US" dirty="0"/>
@@ -2757,7 +2761,7 @@
           <a:lstStyle/>
           <a:p>
             <a:r>
-              <a:rPr lang="en-US" smtClean="0"/>
+              <a:rPr lang="en-US"/>
               <a:t>Module 11</a:t>
             </a:r>
             <a:endParaRPr lang="en-US" dirty="0"/>
@@ -2810,10 +2814,9 @@
           <a:lstStyle/>
           <a:p>
             <a:r>
-              <a:rPr lang="en-US" dirty="0" smtClean="0"/>
+              <a:rPr lang="en-US" dirty="0"/>
               <a:t>Designing HTML Reports</a:t>
             </a:r>
-            <a:endParaRPr lang="en-US" dirty="0"/>
           </a:p>
         </p:txBody>
       </p:sp>
@@ -2833,10 +2836,9 @@
           <a:lstStyle/>
           <a:p>
             <a:r>
-              <a:rPr lang="en-US" dirty="0" smtClean="0"/>
+              <a:rPr lang="en-US" dirty="0"/>
               <a:t>Lesson 1</a:t>
             </a:r>
-            <a:endParaRPr lang="en-US" dirty="0"/>
           </a:p>
         </p:txBody>
       </p:sp>
@@ -2886,10 +2888,9 @@
           <a:lstStyle/>
           <a:p>
             <a:r>
-              <a:rPr lang="en-US" dirty="0" smtClean="0"/>
+              <a:rPr lang="en-US" dirty="0"/>
               <a:t>Gathering Information</a:t>
             </a:r>
-            <a:endParaRPr lang="en-US" dirty="0"/>
           </a:p>
         </p:txBody>
       </p:sp>
@@ -2910,45 +2911,25 @@
           <a:p>
             <a:r>
               <a:rPr lang="en-US" dirty="0"/>
-              <a:t>Scripts that produce HTML reports are a kind of controller </a:t>
-            </a:r>
-            <a:r>
-              <a:rPr lang="en-US" dirty="0" smtClean="0"/>
-              <a:t>script.</a:t>
-            </a:r>
-          </a:p>
-          <a:p>
-            <a:r>
-              <a:rPr lang="en-US" dirty="0" smtClean="0"/>
+              <a:t>Scripts that produce HTML reports are a kind of controller script.</a:t>
+            </a:r>
+          </a:p>
+          <a:p>
+            <a:r>
+              <a:rPr lang="en-US" dirty="0"/>
               <a:t>See example for this section.</a:t>
             </a:r>
           </a:p>
           <a:p>
             <a:r>
               <a:rPr lang="en-US" dirty="0"/>
-              <a:t>N</a:t>
-            </a:r>
-            <a:r>
-              <a:rPr lang="en-US" dirty="0" smtClean="0"/>
-              <a:t>otice </a:t>
-            </a:r>
-            <a:r>
-              <a:rPr lang="en-US" dirty="0"/>
-              <a:t>here that we’re using the -f formatting operator with the RAM property, so that we get a value in gigabytes with 2 decimal </a:t>
-            </a:r>
-            <a:r>
-              <a:rPr lang="en-US" dirty="0" smtClean="0"/>
-              <a:t>places. </a:t>
-            </a:r>
-          </a:p>
-          <a:p>
-            <a:r>
-              <a:rPr lang="en-US" dirty="0" smtClean="0"/>
-              <a:t>We are getting </a:t>
-            </a:r>
-            <a:r>
-              <a:rPr lang="en-US" dirty="0"/>
-              <a:t>back more than one object from WMI, so we have to enumerate through them using a </a:t>
+              <a:t>Notice here that we’re using the -f formatting operator with the RAM property, so that we get a value in gigabytes with 2 decimal places. </a:t>
+            </a:r>
+          </a:p>
+          <a:p>
+            <a:r>
+              <a:rPr lang="en-US" dirty="0"/>
+              <a:t>We are getting back more than one object from WMI, so we have to enumerate through them using a </a:t>
             </a:r>
             <a:r>
               <a:rPr lang="en-US" dirty="0" err="1"/>
@@ -2956,31 +2937,14 @@
             </a:r>
             <a:r>
               <a:rPr lang="en-US" dirty="0"/>
-              <a:t> </a:t>
-            </a:r>
-            <a:r>
-              <a:rPr lang="en-US" dirty="0" smtClean="0"/>
-              <a:t>construct.</a:t>
-            </a:r>
-          </a:p>
-          <a:p>
-            <a:r>
-              <a:rPr lang="en-US" dirty="0" smtClean="0"/>
-              <a:t> </a:t>
-            </a:r>
-            <a:r>
-              <a:rPr lang="en-US" dirty="0"/>
-              <a:t>W</a:t>
-            </a:r>
-            <a:r>
-              <a:rPr lang="en-US" dirty="0" smtClean="0"/>
-              <a:t>e’ve </a:t>
-            </a:r>
-            <a:r>
-              <a:rPr lang="en-US" dirty="0"/>
-              <a:t>converted the speed property, which is natively in bytes, to megabytes. </a:t>
-            </a:r>
-            <a:endParaRPr lang="en-US" dirty="0" smtClean="0"/>
+              <a:t> construct.</a:t>
+            </a:r>
+          </a:p>
+          <a:p>
+            <a:r>
+              <a:rPr lang="en-US" dirty="0"/>
+              <a:t> We’ve converted the speed property, which is natively in bytes, to megabytes. </a:t>
+            </a:r>
           </a:p>
         </p:txBody>
       </p:sp>
@@ -3060,10 +3024,9 @@
           <a:lstStyle/>
           <a:p>
             <a:r>
-              <a:rPr lang="en-US" dirty="0" smtClean="0"/>
+              <a:rPr lang="en-US" dirty="0"/>
               <a:t>Building the HTML</a:t>
             </a:r>
-            <a:endParaRPr lang="en-US" dirty="0"/>
           </a:p>
         </p:txBody>
       </p:sp>
@@ -3091,42 +3054,17 @@
           <a:p>
             <a:r>
               <a:rPr lang="en-US" dirty="0"/>
-              <a:t>Once the information is retrieved, </a:t>
-            </a:r>
-            <a:r>
-              <a:rPr lang="en-US" dirty="0" smtClean="0"/>
-              <a:t>you </a:t>
-            </a:r>
-            <a:r>
-              <a:rPr lang="en-US" dirty="0"/>
-              <a:t>can start creating the HTML. </a:t>
-            </a:r>
-            <a:endParaRPr lang="en-US" dirty="0" smtClean="0"/>
-          </a:p>
-          <a:p>
-            <a:r>
-              <a:rPr lang="en-US" dirty="0" smtClean="0"/>
-              <a:t>For </a:t>
-            </a:r>
-            <a:r>
-              <a:rPr lang="en-US" dirty="0"/>
-              <a:t>each section of this </a:t>
-            </a:r>
-            <a:r>
-              <a:rPr lang="en-US" dirty="0" smtClean="0"/>
-              <a:t>report in the example, </a:t>
-            </a:r>
-            <a:r>
-              <a:rPr lang="en-US" dirty="0"/>
-              <a:t>we will generate an </a:t>
+              <a:t>Once the information is retrieved, you can start creating the HTML. </a:t>
+            </a:r>
+          </a:p>
+          <a:p>
+            <a:r>
+              <a:rPr lang="en-US" dirty="0"/>
+              <a:t>For each section of this report in the example, we will generate an </a:t>
             </a:r>
             <a:r>
               <a:rPr lang="en-US" i="1" dirty="0"/>
-              <a:t>HTML </a:t>
-            </a:r>
-            <a:r>
-              <a:rPr lang="en-US" i="1" dirty="0" smtClean="0"/>
-              <a:t>fragment.</a:t>
+              <a:t>HTML fragment.</a:t>
             </a:r>
           </a:p>
           <a:p>
@@ -3134,10 +3072,9 @@
               <a:buNone/>
             </a:pPr>
             <a:r>
-              <a:rPr lang="en-US" dirty="0" smtClean="0"/>
+              <a:rPr lang="en-US" dirty="0"/>
               <a:t> </a:t>
             </a:r>
-            <a:endParaRPr lang="en-US" dirty="0"/>
           </a:p>
         </p:txBody>
       </p:sp>
@@ -3227,18 +3164,17 @@
           <a:lstStyle/>
           <a:p>
             <a:r>
-              <a:rPr lang="en-US" dirty="0" smtClean="0"/>
+              <a:rPr lang="en-US" dirty="0"/>
               <a:t>Briefly: The </a:t>
             </a:r>
             <a:r>
-              <a:rPr lang="en-US" dirty="0" err="1" smtClean="0"/>
+              <a:rPr lang="en-US" dirty="0" err="1"/>
               <a:t>ConvertTo</a:t>
             </a:r>
             <a:r>
-              <a:rPr lang="en-US" dirty="0" smtClean="0"/>
+              <a:rPr lang="en-US" dirty="0"/>
               <a:t>-HTML Cmdlet</a:t>
             </a:r>
-            <a:endParaRPr lang="en-US" dirty="0"/>
           </a:p>
         </p:txBody>
       </p:sp>
@@ -3261,11 +3197,7 @@
           <a:p>
             <a:r>
               <a:rPr lang="en-US" dirty="0"/>
-              <a:t>T</a:t>
-            </a:r>
-            <a:r>
-              <a:rPr lang="en-US" dirty="0" smtClean="0"/>
-              <a:t>he </a:t>
+              <a:t>The </a:t>
             </a:r>
             <a:r>
               <a:rPr lang="en-US" dirty="0" err="1"/>
@@ -3273,17 +3205,8 @@
             </a:r>
             <a:r>
               <a:rPr lang="en-US" dirty="0"/>
-              <a:t>-HTML </a:t>
-            </a:r>
-            <a:r>
-              <a:rPr lang="en-US" dirty="0" smtClean="0"/>
-              <a:t>cmdlet has </a:t>
-            </a:r>
-            <a:r>
-              <a:rPr lang="en-US" dirty="0"/>
-              <a:t>several parameters that are worth examining: </a:t>
-            </a:r>
-            <a:endParaRPr lang="en-US" dirty="0" smtClean="0"/>
+              <a:t>-HTML cmdlet has several parameters that are worth examining: </a:t>
+            </a:r>
           </a:p>
           <a:p>
             <a:pPr lvl="0"/>
@@ -3297,22 +3220,14 @@
             </a:r>
             <a:r>
               <a:rPr lang="en-US" dirty="0"/>
-              <a:t> accepts input from the pipeline, and this input is used to construct either a list or a </a:t>
-            </a:r>
-            <a:r>
-              <a:rPr lang="en-US" dirty="0" smtClean="0"/>
-              <a:t>table</a:t>
+              <a:t> accepts input from the pipeline, and this input is used to construct either a list or a table</a:t>
             </a:r>
           </a:p>
           <a:p>
             <a:pPr lvl="0"/>
             <a:r>
-              <a:rPr lang="en-US" dirty="0" smtClean="0"/>
-              <a:t>-</a:t>
-            </a:r>
-            <a:r>
-              <a:rPr lang="en-US" dirty="0"/>
-              <a:t>Body specifies the contents of the HTML &lt;BODY&gt; tag. This content will appear </a:t>
+              <a:rPr lang="en-US" dirty="0"/>
+              <a:t>-Body specifies the contents of the HTML &lt;BODY&gt; tag. This content will appear </a:t>
             </a:r>
             <a:r>
               <a:rPr lang="en-US" i="1" dirty="0"/>
@@ -3320,17 +3235,13 @@
             </a:r>
             <a:r>
               <a:rPr lang="en-US" dirty="0"/>
-              <a:t> anything </a:t>
-            </a:r>
-            <a:r>
-              <a:rPr lang="en-US" dirty="0" smtClean="0"/>
-              <a:t>else.</a:t>
+              <a:t> anything else.</a:t>
             </a:r>
           </a:p>
           <a:p>
             <a:pPr lvl="0"/>
             <a:r>
-              <a:rPr lang="en-US" dirty="0" smtClean="0"/>
+              <a:rPr lang="en-US" dirty="0"/>
               <a:t>-</a:t>
             </a:r>
             <a:r>
@@ -3376,17 +3287,13 @@
             <a:pPr lvl="0"/>
             <a:r>
               <a:rPr lang="en-US" dirty="0"/>
-              <a:t>-Head lets you specify contents for the &lt;HEAD&gt; </a:t>
-            </a:r>
-            <a:r>
-              <a:rPr lang="en-US" dirty="0" smtClean="0"/>
-              <a:t>section.</a:t>
+              <a:t>-Head lets you specify contents for the &lt;HEAD&gt; section.</a:t>
             </a:r>
           </a:p>
           <a:p>
             <a:pPr lvl="0"/>
             <a:r>
-              <a:rPr lang="en-US" dirty="0" smtClean="0"/>
+              <a:rPr lang="en-US" dirty="0"/>
               <a:t>-</a:t>
             </a:r>
             <a:r>
@@ -3449,10 +3356,9 @@
           <a:lstStyle/>
           <a:p>
             <a:r>
-              <a:rPr lang="en-US" dirty="0" smtClean="0"/>
+              <a:rPr lang="en-US" dirty="0"/>
               <a:t>Going further</a:t>
             </a:r>
-            <a:endParaRPr lang="en-US" dirty="0"/>
           </a:p>
         </p:txBody>
       </p:sp>
@@ -3473,31 +3379,7 @@
           <a:p>
             <a:r>
               <a:rPr lang="en-US" dirty="0"/>
-              <a:t>Y</a:t>
-            </a:r>
-            <a:r>
-              <a:rPr lang="en-US" dirty="0" smtClean="0"/>
-              <a:t>ou </a:t>
-            </a:r>
-            <a:r>
-              <a:rPr lang="en-US" dirty="0"/>
-              <a:t>can do quite a bit more with HTML </a:t>
-            </a:r>
-            <a:r>
-              <a:rPr lang="en-US" dirty="0" smtClean="0"/>
-              <a:t>formatting </a:t>
-            </a:r>
-            <a:r>
-              <a:rPr lang="en-US" dirty="0"/>
-              <a:t>u</a:t>
-            </a:r>
-            <a:r>
-              <a:rPr lang="en-US" dirty="0" smtClean="0"/>
-              <a:t>sing </a:t>
-            </a:r>
-            <a:r>
-              <a:rPr lang="en-US" dirty="0"/>
-              <a:t>a freely available </a:t>
+              <a:t>You can do quite a bit more with HTML formatting using a freely available </a:t>
             </a:r>
             <a:r>
               <a:rPr lang="en-US" dirty="0" err="1"/>
@@ -3525,7 +3407,6 @@
               <a:rPr lang="en-US" dirty="0"/>
               <a:t>), you can: </a:t>
             </a:r>
-            <a:endParaRPr lang="en-US" dirty="0" smtClean="0"/>
           </a:p>
           <a:p>
             <a:pPr lvl="0"/>
@@ -3600,10 +3481,9 @@
           <a:p>
             <a:pPr algn="ctr"/>
             <a:r>
-              <a:rPr lang="en-US" dirty="0" smtClean="0"/>
+              <a:rPr lang="en-US" dirty="0"/>
               <a:t>Lab A</a:t>
             </a:r>
-            <a:endParaRPr lang="en-US" dirty="0"/>
           </a:p>
         </p:txBody>
       </p:sp>
@@ -3649,7 +3529,7 @@
           <a:p>
             <a:pPr algn="ctr"/>
             <a:r>
-              <a:rPr lang="en-US" dirty="0" smtClean="0"/>
+              <a:rPr lang="en-US" dirty="0"/>
               <a:t>45 Minutes</a:t>
             </a:r>
           </a:p>
@@ -3660,21 +3540,21 @@
           <a:p>
             <a:pPr algn="ctr"/>
             <a:r>
-              <a:rPr lang="en-US" b="1" dirty="0" smtClean="0"/>
+              <a:rPr lang="en-US" b="1" dirty="0"/>
               <a:t>CLIENT</a:t>
             </a:r>
           </a:p>
           <a:p>
             <a:pPr algn="ctr"/>
             <a:r>
-              <a:rPr lang="en-US" b="1" dirty="0" smtClean="0"/>
+              <a:rPr lang="en-US" b="1" dirty="0"/>
               <a:t>MEMBER</a:t>
             </a:r>
           </a:p>
           <a:p>
             <a:pPr algn="ctr"/>
             <a:r>
-              <a:rPr lang="en-US" b="1" dirty="0" smtClean="0"/>
+              <a:rPr lang="en-US" b="1" dirty="0"/>
               <a:t>DC</a:t>
             </a:r>
           </a:p>
@@ -3685,17 +3565,16 @@
           <a:p>
             <a:pPr algn="ctr"/>
             <a:r>
-              <a:rPr lang="en-US" b="1" dirty="0" smtClean="0"/>
+              <a:rPr lang="en-US" b="1" dirty="0"/>
               <a:t>Administrator</a:t>
             </a:r>
             <a:br>
-              <a:rPr lang="en-US" b="1" dirty="0" smtClean="0"/>
+              <a:rPr lang="en-US" b="1" dirty="0"/>
             </a:br>
             <a:r>
-              <a:rPr lang="en-US" b="1" dirty="0" smtClean="0"/>
+              <a:rPr lang="en-US" b="1" dirty="0"/>
               <a:t>P@ssw0rd</a:t>
             </a:r>
-            <a:endParaRPr lang="en-US" b="1" dirty="0"/>
           </a:p>
         </p:txBody>
       </p:sp>
@@ -3775,10 +3654,9 @@
           <a:lstStyle/>
           <a:p>
             <a:r>
-              <a:rPr lang="en-US" dirty="0" smtClean="0"/>
+              <a:rPr lang="en-US" dirty="0"/>
               <a:t>Conclusion</a:t>
             </a:r>
-            <a:endParaRPr lang="en-US" dirty="0"/>
           </a:p>
         </p:txBody>
       </p:sp>
@@ -3817,16 +3695,11 @@
               <a:rPr lang="en-US" dirty="0"/>
               <a:t>, and the like – is paying a dividend, as we re-use those tools in a number of different ways. </a:t>
             </a:r>
-            <a:endParaRPr lang="en-US" dirty="0" smtClean="0"/>
-          </a:p>
-          <a:p>
-            <a:r>
-              <a:rPr lang="en-US" dirty="0" smtClean="0"/>
-              <a:t>That’s </a:t>
-            </a:r>
-            <a:r>
-              <a:rPr lang="en-US" dirty="0"/>
-              <a:t>the benefit of producing reusable, parameterized tools: you get to reuse them in different scenarios without having to rewrite or modify them every time. </a:t>
+          </a:p>
+          <a:p>
+            <a:r>
+              <a:rPr lang="en-US" dirty="0"/>
+              <a:t>That’s the benefit of producing reusable, parameterized tools: you get to reuse them in different scenarios without having to rewrite or modify them every time. </a:t>
             </a:r>
           </a:p>
         </p:txBody>
